--- a/Fig/固定气动面.pptx
+++ b/Fig/固定气动面.pptx
@@ -3158,19 +3158,19 @@
           <p:nvPr/>
         </p:nvGraphicFramePr>
         <p:xfrm>
-          <a:off x="1384618" y="222885"/>
-          <a:ext cx="152400" cy="139700"/>
+          <a:off x="1390968" y="222885"/>
+          <a:ext cx="139700" cy="139700"/>
         </p:xfrm>
         <a:graphic>
           <a:graphicData uri="http://schemas.openxmlformats.org/presentationml/2006/ole">
             <mc:AlternateContent xmlns:mc="http://schemas.openxmlformats.org/markup-compatibility/2006">
               <mc:Choice xmlns:v="urn:schemas-microsoft-com:vml" Requires="v">
-                <p:oleObj spid="_x0000_s69" name="" r:id="rId2" imgW="152400" imgH="139700" progId="DSEquations">
+                <p:oleObj spid="_x0000_s69" name="" r:id="rId2" imgW="139700" imgH="139700" progId="DSEquations">
                   <p:embed/>
                 </p:oleObj>
               </mc:Choice>
               <mc:Fallback>
-                <p:oleObj name="" r:id="rId2" imgW="152400" imgH="139700" progId="DSEquations">
+                <p:oleObj name="" r:id="rId2" imgW="139700" imgH="139700" progId="DSEquations">
                   <p:embed/>
                   <p:pic>
                     <p:nvPicPr>
@@ -3186,8 +3186,8 @@
                     </p:blipFill>
                     <p:spPr>
                       <a:xfrm>
-                        <a:off x="1384618" y="222885"/>
-                        <a:ext cx="152400" cy="139700"/>
+                        <a:off x="1390968" y="222885"/>
+                        <a:ext cx="139700" cy="139700"/>
                       </a:xfrm>
                       <a:prstGeom prst="rect">
                         <a:avLst/>
@@ -4277,19 +4277,19 @@
           <p:nvPr/>
         </p:nvGraphicFramePr>
         <p:xfrm>
-          <a:off x="987108" y="1136015"/>
-          <a:ext cx="279400" cy="215900"/>
+          <a:off x="987108" y="1142365"/>
+          <a:ext cx="279400" cy="203200"/>
         </p:xfrm>
         <a:graphic>
           <a:graphicData uri="http://schemas.openxmlformats.org/presentationml/2006/ole">
             <mc:AlternateContent xmlns:mc="http://schemas.openxmlformats.org/markup-compatibility/2006">
               <mc:Choice xmlns:v="urn:schemas-microsoft-com:vml" Requires="v">
-                <p:oleObj spid="_x0000_s87" name="" r:id="rId4" imgW="279400" imgH="215900" progId="DSEquations">
+                <p:oleObj spid="_x0000_s87" name="" r:id="rId4" imgW="279400" imgH="203200" progId="DSEquations">
                   <p:embed/>
                 </p:oleObj>
               </mc:Choice>
               <mc:Fallback>
-                <p:oleObj name="" r:id="rId4" imgW="279400" imgH="215900" progId="DSEquations">
+                <p:oleObj name="" r:id="rId4" imgW="279400" imgH="203200" progId="DSEquations">
                   <p:embed/>
                   <p:pic>
                     <p:nvPicPr>
@@ -4305,8 +4305,8 @@
                     </p:blipFill>
                     <p:spPr>
                       <a:xfrm>
-                        <a:off x="987108" y="1136015"/>
-                        <a:ext cx="279400" cy="215900"/>
+                        <a:off x="987108" y="1142365"/>
+                        <a:ext cx="279400" cy="203200"/>
                       </a:xfrm>
                       <a:prstGeom prst="rect">
                         <a:avLst/>
